--- a/DBD 분석/맵 분석/3. 콜드윈드 농장(★)/3. 썩은 들판(★)/19_06_생존자(vs너스).pptx
+++ b/DBD 분석/맵 분석/3. 콜드윈드 농장(★)/3. 썩은 들판(★)/19_06_생존자(vs너스).pptx
@@ -221,7 +221,7 @@
           <a:p>
             <a:fld id="{92FB9B8E-7460-4A65-8DD1-5001397F6CD0}" type="datetimeFigureOut">
               <a:rPr lang="ko-KR" altLang="en-US" smtClean="0"/>
-              <a:t>2020-01-29</a:t>
+              <a:t>2020-02-07</a:t>
             </a:fld>
             <a:endParaRPr lang="ko-KR" altLang="en-US"/>
           </a:p>
@@ -965,13 +965,8 @@
             </a:r>
             <a:r>
               <a:rPr lang="en-US" altLang="ko-KR" dirty="0" smtClean="0"/>
-              <a:t>: W7-&gt;U2-&gt;</a:t>
-            </a:r>
-            <a:r>
-              <a:rPr lang="en-US" altLang="ko-KR" dirty="0" smtClean="0"/>
-              <a:t>U3</a:t>
-            </a:r>
-            <a:endParaRPr lang="en-US" altLang="ko-KR" dirty="0" smtClean="0"/>
+              <a:t>: W7-&gt;U2-&gt;U3</a:t>
+            </a:r>
           </a:p>
           <a:p>
             <a:r>
@@ -1108,11 +1103,7 @@
           <a:p>
             <a:r>
               <a:rPr lang="en-US" altLang="ko-KR" baseline="0" dirty="0" smtClean="0"/>
-              <a:t>-(</a:t>
-            </a:r>
-            <a:r>
-              <a:rPr lang="en-US" altLang="ko-KR" baseline="0" dirty="0" smtClean="0"/>
-              <a:t>U2~U3) </a:t>
+              <a:t>-(U2~U3) </a:t>
             </a:r>
             <a:r>
               <a:rPr lang="ko-KR" altLang="en-US" baseline="0" dirty="0" smtClean="0"/>
@@ -1162,11 +1153,7 @@
           <a:p>
             <a:r>
               <a:rPr lang="en-US" altLang="ko-KR" baseline="0" dirty="0" smtClean="0"/>
-              <a:t>-(</a:t>
-            </a:r>
-            <a:r>
-              <a:rPr lang="en-US" altLang="ko-KR" baseline="0" dirty="0" smtClean="0"/>
-              <a:t>U3) </a:t>
+              <a:t>-(U3) </a:t>
             </a:r>
             <a:r>
               <a:rPr lang="ko-KR" altLang="en-US" baseline="0" dirty="0" smtClean="0"/>
@@ -1354,11 +1341,7 @@
             </a:r>
             <a:r>
               <a:rPr lang="en-US" altLang="ko-KR" dirty="0" smtClean="0"/>
-              <a:t>: </a:t>
-            </a:r>
-            <a:r>
-              <a:rPr lang="en-US" altLang="ko-KR" dirty="0" smtClean="0"/>
-              <a:t>7:00~8:15</a:t>
+              <a:t>: 7:00~8:15</a:t>
             </a:r>
           </a:p>
           <a:p>
@@ -1368,13 +1351,8 @@
             </a:r>
             <a:r>
               <a:rPr lang="en-US" altLang="ko-KR" dirty="0" smtClean="0"/>
-              <a:t>: </a:t>
-            </a:r>
-            <a:r>
-              <a:rPr lang="en-US" altLang="ko-KR" dirty="0" smtClean="0"/>
-              <a:t>U3-&gt;F9</a:t>
-            </a:r>
-            <a:endParaRPr lang="en-US" altLang="ko-KR" dirty="0" smtClean="0"/>
+              <a:t>: U3-&gt;F9</a:t>
+            </a:r>
           </a:p>
           <a:p>
             <a:r>
@@ -1730,7 +1708,6 @@
               <a:rPr lang="en-US" altLang="ko-KR" baseline="0" dirty="0" smtClean="0"/>
               <a:t>!</a:t>
             </a:r>
-            <a:endParaRPr lang="en-US" altLang="ko-KR" baseline="0" dirty="0" smtClean="0"/>
           </a:p>
           <a:p>
             <a:r>
@@ -1944,11 +1921,7 @@
             </a:r>
             <a:r>
               <a:rPr lang="en-US" altLang="ko-KR" dirty="0" smtClean="0"/>
-              <a:t>: </a:t>
-            </a:r>
-            <a:r>
-              <a:rPr lang="en-US" altLang="ko-KR" dirty="0" smtClean="0"/>
-              <a:t>8:15~8:37</a:t>
+              <a:t>: 8:15~8:37</a:t>
             </a:r>
           </a:p>
           <a:p>
@@ -1958,13 +1931,8 @@
             </a:r>
             <a:r>
               <a:rPr lang="en-US" altLang="ko-KR" dirty="0" smtClean="0"/>
-              <a:t>: </a:t>
-            </a:r>
-            <a:r>
-              <a:rPr lang="en-US" altLang="ko-KR" dirty="0" smtClean="0"/>
-              <a:t>F9-&gt;W6-&gt;R5</a:t>
-            </a:r>
-            <a:endParaRPr lang="en-US" altLang="ko-KR" dirty="0" smtClean="0"/>
+              <a:t>: F9-&gt;W6-&gt;R5</a:t>
+            </a:r>
           </a:p>
           <a:p>
             <a:r>
@@ -2027,11 +1995,7 @@
             </a:r>
             <a:r>
               <a:rPr lang="en-US" altLang="ko-KR" baseline="0" dirty="0" smtClean="0"/>
-              <a:t>: </a:t>
-            </a:r>
-            <a:r>
-              <a:rPr lang="en-US" altLang="ko-KR" baseline="0" dirty="0" smtClean="0"/>
-              <a:t>2p</a:t>
+              <a:t>: 2p</a:t>
             </a:r>
             <a:r>
               <a:rPr lang="ko-KR" altLang="en-US" baseline="0" dirty="0" smtClean="0"/>
@@ -2136,7 +2100,6 @@
               <a:rPr lang="en-US" altLang="ko-KR" baseline="0" dirty="0" smtClean="0"/>
               <a:t>!</a:t>
             </a:r>
-            <a:endParaRPr lang="en-US" altLang="ko-KR" baseline="0" dirty="0" smtClean="0"/>
           </a:p>
           <a:p>
             <a:r>
@@ -2346,11 +2309,7 @@
             </a:r>
             <a:r>
               <a:rPr lang="en-US" altLang="ko-KR" dirty="0" smtClean="0"/>
-              <a:t>: </a:t>
-            </a:r>
-            <a:r>
-              <a:rPr lang="en-US" altLang="ko-KR" dirty="0" smtClean="0"/>
-              <a:t>8:37~9:45</a:t>
+              <a:t>: 8:37~9:45</a:t>
             </a:r>
           </a:p>
           <a:p>
@@ -2360,13 +2319,8 @@
             </a:r>
             <a:r>
               <a:rPr lang="en-US" altLang="ko-KR" dirty="0" smtClean="0"/>
-              <a:t>: </a:t>
-            </a:r>
-            <a:r>
-              <a:rPr lang="en-US" altLang="ko-KR" dirty="0" smtClean="0"/>
-              <a:t>R5-&gt;</a:t>
-            </a:r>
-            <a:endParaRPr lang="en-US" altLang="ko-KR" dirty="0" smtClean="0"/>
+              <a:t>: R5-&gt;</a:t>
+            </a:r>
           </a:p>
           <a:p>
             <a:r>
@@ -2741,7 +2695,6 @@
               <a:rPr lang="en-US" altLang="ko-KR" baseline="0" dirty="0" smtClean="0"/>
               <a:t>.</a:t>
             </a:r>
-            <a:endParaRPr lang="en-US" altLang="ko-KR" baseline="0" dirty="0" smtClean="0"/>
           </a:p>
           <a:p>
             <a:r>
@@ -3899,23 +3852,15 @@
             </a:r>
             <a:r>
               <a:rPr lang="ko-KR" altLang="en-US" dirty="0" smtClean="0"/>
-              <a:t>발전기 수리</a:t>
+              <a:t>도망</a:t>
             </a:r>
             <a:r>
               <a:rPr lang="en-US" altLang="ko-KR" dirty="0" smtClean="0"/>
-              <a:t>, </a:t>
-            </a:r>
-            <a:r>
-              <a:rPr lang="ko-KR" altLang="en-US" dirty="0" smtClean="0"/>
-              <a:t>도망</a:t>
-            </a:r>
-            <a:r>
-              <a:rPr lang="en-US" altLang="ko-KR" dirty="0" smtClean="0"/>
-              <a:t>, </a:t>
-            </a:r>
-            <a:r>
-              <a:rPr lang="ko-KR" altLang="en-US" dirty="0" smtClean="0"/>
-              <a:t>뺑뺑이</a:t>
+              <a:t>,</a:t>
+            </a:r>
+            <a:r>
+              <a:rPr lang="ko-KR" altLang="en-US" dirty="0" err="1" smtClean="0"/>
+              <a:t>데드하드</a:t>
             </a:r>
             <a:endParaRPr lang="en-US" altLang="ko-KR" baseline="0" dirty="0" smtClean="0"/>
           </a:p>
@@ -7564,7 +7509,7 @@
           <a:p>
             <a:fld id="{F86301F8-5A19-4D53-B525-D052BC8201C6}" type="datetimeFigureOut">
               <a:rPr lang="ko-KR" altLang="en-US" smtClean="0"/>
-              <a:t>2020-01-29</a:t>
+              <a:t>2020-02-07</a:t>
             </a:fld>
             <a:endParaRPr lang="ko-KR" altLang="en-US"/>
           </a:p>
@@ -7734,7 +7679,7 @@
           <a:p>
             <a:fld id="{F86301F8-5A19-4D53-B525-D052BC8201C6}" type="datetimeFigureOut">
               <a:rPr lang="ko-KR" altLang="en-US" smtClean="0"/>
-              <a:t>2020-01-29</a:t>
+              <a:t>2020-02-07</a:t>
             </a:fld>
             <a:endParaRPr lang="ko-KR" altLang="en-US"/>
           </a:p>
@@ -7914,7 +7859,7 @@
           <a:p>
             <a:fld id="{F86301F8-5A19-4D53-B525-D052BC8201C6}" type="datetimeFigureOut">
               <a:rPr lang="ko-KR" altLang="en-US" smtClean="0"/>
-              <a:t>2020-01-29</a:t>
+              <a:t>2020-02-07</a:t>
             </a:fld>
             <a:endParaRPr lang="ko-KR" altLang="en-US"/>
           </a:p>
@@ -8084,7 +8029,7 @@
           <a:p>
             <a:fld id="{F86301F8-5A19-4D53-B525-D052BC8201C6}" type="datetimeFigureOut">
               <a:rPr lang="ko-KR" altLang="en-US" smtClean="0"/>
-              <a:t>2020-01-29</a:t>
+              <a:t>2020-02-07</a:t>
             </a:fld>
             <a:endParaRPr lang="ko-KR" altLang="en-US"/>
           </a:p>
@@ -8330,7 +8275,7 @@
           <a:p>
             <a:fld id="{F86301F8-5A19-4D53-B525-D052BC8201C6}" type="datetimeFigureOut">
               <a:rPr lang="ko-KR" altLang="en-US" smtClean="0"/>
-              <a:t>2020-01-29</a:t>
+              <a:t>2020-02-07</a:t>
             </a:fld>
             <a:endParaRPr lang="ko-KR" altLang="en-US"/>
           </a:p>
@@ -8562,7 +8507,7 @@
           <a:p>
             <a:fld id="{F86301F8-5A19-4D53-B525-D052BC8201C6}" type="datetimeFigureOut">
               <a:rPr lang="ko-KR" altLang="en-US" smtClean="0"/>
-              <a:t>2020-01-29</a:t>
+              <a:t>2020-02-07</a:t>
             </a:fld>
             <a:endParaRPr lang="ko-KR" altLang="en-US"/>
           </a:p>
@@ -8929,7 +8874,7 @@
           <a:p>
             <a:fld id="{F86301F8-5A19-4D53-B525-D052BC8201C6}" type="datetimeFigureOut">
               <a:rPr lang="ko-KR" altLang="en-US" smtClean="0"/>
-              <a:t>2020-01-29</a:t>
+              <a:t>2020-02-07</a:t>
             </a:fld>
             <a:endParaRPr lang="ko-KR" altLang="en-US"/>
           </a:p>
@@ -9047,7 +8992,7 @@
           <a:p>
             <a:fld id="{F86301F8-5A19-4D53-B525-D052BC8201C6}" type="datetimeFigureOut">
               <a:rPr lang="ko-KR" altLang="en-US" smtClean="0"/>
-              <a:t>2020-01-29</a:t>
+              <a:t>2020-02-07</a:t>
             </a:fld>
             <a:endParaRPr lang="ko-KR" altLang="en-US"/>
           </a:p>
@@ -9142,7 +9087,7 @@
           <a:p>
             <a:fld id="{F86301F8-5A19-4D53-B525-D052BC8201C6}" type="datetimeFigureOut">
               <a:rPr lang="ko-KR" altLang="en-US" smtClean="0"/>
-              <a:t>2020-01-29</a:t>
+              <a:t>2020-02-07</a:t>
             </a:fld>
             <a:endParaRPr lang="ko-KR" altLang="en-US"/>
           </a:p>
@@ -9419,7 +9364,7 @@
           <a:p>
             <a:fld id="{F86301F8-5A19-4D53-B525-D052BC8201C6}" type="datetimeFigureOut">
               <a:rPr lang="ko-KR" altLang="en-US" smtClean="0"/>
-              <a:t>2020-01-29</a:t>
+              <a:t>2020-02-07</a:t>
             </a:fld>
             <a:endParaRPr lang="ko-KR" altLang="en-US"/>
           </a:p>
@@ -9672,7 +9617,7 @@
           <a:p>
             <a:fld id="{F86301F8-5A19-4D53-B525-D052BC8201C6}" type="datetimeFigureOut">
               <a:rPr lang="ko-KR" altLang="en-US" smtClean="0"/>
-              <a:t>2020-01-29</a:t>
+              <a:t>2020-02-07</a:t>
             </a:fld>
             <a:endParaRPr lang="ko-KR" altLang="en-US"/>
           </a:p>
@@ -9885,7 +9830,7 @@
           <a:p>
             <a:fld id="{F86301F8-5A19-4D53-B525-D052BC8201C6}" type="datetimeFigureOut">
               <a:rPr lang="ko-KR" altLang="en-US" smtClean="0"/>
-              <a:t>2020-01-29</a:t>
+              <a:t>2020-02-07</a:t>
             </a:fld>
             <a:endParaRPr lang="ko-KR" altLang="en-US"/>
           </a:p>
